--- a/박현우/0302_트랜잭션_격리.pptx
+++ b/박현우/0302_트랜잭션_격리.pptx
@@ -256,7 +256,7 @@
           <a:p>
             <a:fld id="{00EBFABF-81B9-4CFC-8D60-278CF053A2FB}" type="datetimeFigureOut">
               <a:rPr lang="ko-KR" altLang="en-US" smtClean="0"/>
-              <a:t>2023-03-01</a:t>
+              <a:t>2023-03-02</a:t>
             </a:fld>
             <a:endParaRPr lang="ko-KR" altLang="en-US"/>
           </a:p>
@@ -424,7 +424,7 @@
           <a:p>
             <a:fld id="{00EBFABF-81B9-4CFC-8D60-278CF053A2FB}" type="datetimeFigureOut">
               <a:rPr lang="ko-KR" altLang="en-US" smtClean="0"/>
-              <a:t>2023-03-01</a:t>
+              <a:t>2023-03-02</a:t>
             </a:fld>
             <a:endParaRPr lang="ko-KR" altLang="en-US"/>
           </a:p>
@@ -602,7 +602,7 @@
           <a:p>
             <a:fld id="{00EBFABF-81B9-4CFC-8D60-278CF053A2FB}" type="datetimeFigureOut">
               <a:rPr lang="ko-KR" altLang="en-US" smtClean="0"/>
-              <a:t>2023-03-01</a:t>
+              <a:t>2023-03-02</a:t>
             </a:fld>
             <a:endParaRPr lang="ko-KR" altLang="en-US"/>
           </a:p>
@@ -770,7 +770,7 @@
           <a:p>
             <a:fld id="{00EBFABF-81B9-4CFC-8D60-278CF053A2FB}" type="datetimeFigureOut">
               <a:rPr lang="ko-KR" altLang="en-US" smtClean="0"/>
-              <a:t>2023-03-01</a:t>
+              <a:t>2023-03-02</a:t>
             </a:fld>
             <a:endParaRPr lang="ko-KR" altLang="en-US"/>
           </a:p>
@@ -1015,7 +1015,7 @@
           <a:p>
             <a:fld id="{00EBFABF-81B9-4CFC-8D60-278CF053A2FB}" type="datetimeFigureOut">
               <a:rPr lang="ko-KR" altLang="en-US" smtClean="0"/>
-              <a:t>2023-03-01</a:t>
+              <a:t>2023-03-02</a:t>
             </a:fld>
             <a:endParaRPr lang="ko-KR" altLang="en-US"/>
           </a:p>
@@ -1244,7 +1244,7 @@
           <a:p>
             <a:fld id="{00EBFABF-81B9-4CFC-8D60-278CF053A2FB}" type="datetimeFigureOut">
               <a:rPr lang="ko-KR" altLang="en-US" smtClean="0"/>
-              <a:t>2023-03-01</a:t>
+              <a:t>2023-03-02</a:t>
             </a:fld>
             <a:endParaRPr lang="ko-KR" altLang="en-US"/>
           </a:p>
@@ -1608,7 +1608,7 @@
           <a:p>
             <a:fld id="{00EBFABF-81B9-4CFC-8D60-278CF053A2FB}" type="datetimeFigureOut">
               <a:rPr lang="ko-KR" altLang="en-US" smtClean="0"/>
-              <a:t>2023-03-01</a:t>
+              <a:t>2023-03-02</a:t>
             </a:fld>
             <a:endParaRPr lang="ko-KR" altLang="en-US"/>
           </a:p>
@@ -1725,7 +1725,7 @@
           <a:p>
             <a:fld id="{00EBFABF-81B9-4CFC-8D60-278CF053A2FB}" type="datetimeFigureOut">
               <a:rPr lang="ko-KR" altLang="en-US" smtClean="0"/>
-              <a:t>2023-03-01</a:t>
+              <a:t>2023-03-02</a:t>
             </a:fld>
             <a:endParaRPr lang="ko-KR" altLang="en-US"/>
           </a:p>
@@ -1820,7 +1820,7 @@
           <a:p>
             <a:fld id="{00EBFABF-81B9-4CFC-8D60-278CF053A2FB}" type="datetimeFigureOut">
               <a:rPr lang="ko-KR" altLang="en-US" smtClean="0"/>
-              <a:t>2023-03-01</a:t>
+              <a:t>2023-03-02</a:t>
             </a:fld>
             <a:endParaRPr lang="ko-KR" altLang="en-US"/>
           </a:p>
@@ -2095,7 +2095,7 @@
           <a:p>
             <a:fld id="{00EBFABF-81B9-4CFC-8D60-278CF053A2FB}" type="datetimeFigureOut">
               <a:rPr lang="ko-KR" altLang="en-US" smtClean="0"/>
-              <a:t>2023-03-01</a:t>
+              <a:t>2023-03-02</a:t>
             </a:fld>
             <a:endParaRPr lang="ko-KR" altLang="en-US"/>
           </a:p>
@@ -2347,7 +2347,7 @@
           <a:p>
             <a:fld id="{00EBFABF-81B9-4CFC-8D60-278CF053A2FB}" type="datetimeFigureOut">
               <a:rPr lang="ko-KR" altLang="en-US" smtClean="0"/>
-              <a:t>2023-03-01</a:t>
+              <a:t>2023-03-02</a:t>
             </a:fld>
             <a:endParaRPr lang="ko-KR" altLang="en-US"/>
           </a:p>
@@ -2558,7 +2558,7 @@
           <a:p>
             <a:fld id="{00EBFABF-81B9-4CFC-8D60-278CF053A2FB}" type="datetimeFigureOut">
               <a:rPr lang="ko-KR" altLang="en-US" smtClean="0"/>
-              <a:t>2023-03-01</a:t>
+              <a:t>2023-03-02</a:t>
             </a:fld>
             <a:endParaRPr lang="ko-KR" altLang="en-US"/>
           </a:p>
@@ -3130,7 +3130,7 @@
         <p:spPr>
           <a:xfrm>
             <a:off x="838200" y="1690688"/>
-            <a:ext cx="10201102" cy="956159"/>
+            <a:ext cx="10201102" cy="1015663"/>
           </a:xfrm>
           <a:prstGeom prst="rect">
             <a:avLst/>
@@ -3181,7 +3181,19 @@
             </a:r>
             <a:r>
               <a:rPr lang="ko-KR" altLang="en-US" sz="2000" b="1" dirty="0"/>
-              <a:t>트랜잭션 수행 중에도 다른 트랜잭션이 </a:t>
+              <a:t>트랜잭션 </a:t>
+            </a:r>
+            <a:r>
+              <a:rPr lang="en-US" altLang="ko-KR" sz="2000" b="1" dirty="0" smtClean="0"/>
+              <a:t>(read, write)</a:t>
+            </a:r>
+            <a:r>
+              <a:rPr lang="ko-KR" altLang="en-US" sz="2000" b="1" dirty="0" smtClean="0"/>
+              <a:t>수행 </a:t>
+            </a:r>
+            <a:r>
+              <a:rPr lang="ko-KR" altLang="en-US" sz="2000" b="1" dirty="0"/>
+              <a:t>중에도 다른 트랜잭션이 </a:t>
             </a:r>
             <a:r>
               <a:rPr lang="en-US" altLang="ko-KR" sz="2000" b="1" dirty="0"/>
@@ -3236,6 +3248,270 @@
           </a:fontRef>
         </p:style>
       </p:cxnSp>
+      <p:graphicFrame>
+        <p:nvGraphicFramePr>
+          <p:cNvPr id="4" name="표 3"/>
+          <p:cNvGraphicFramePr>
+            <a:graphicFrameLocks noGrp="1"/>
+          </p:cNvGraphicFramePr>
+          <p:nvPr>
+            <p:extLst>
+              <p:ext uri="{D42A27DB-BD31-4B8C-83A1-F6EECF244321}">
+                <p14:modId xmlns:p14="http://schemas.microsoft.com/office/powerpoint/2010/main" val="2408031326"/>
+              </p:ext>
+            </p:extLst>
+          </p:nvPr>
+        </p:nvGraphicFramePr>
+        <p:xfrm>
+          <a:off x="838200" y="3557848"/>
+          <a:ext cx="8282709" cy="1783952"/>
+        </p:xfrm>
+        <a:graphic>
+          <a:graphicData uri="http://schemas.openxmlformats.org/drawingml/2006/table">
+            <a:tbl>
+              <a:tblPr firstRow="1" bandRow="1">
+                <a:tableStyleId>{5C22544A-7EE6-4342-B048-85BDC9FD1C3A}</a:tableStyleId>
+              </a:tblPr>
+              <a:tblGrid>
+                <a:gridCol w="2760903">
+                  <a:extLst>
+                    <a:ext uri="{9D8B030D-6E8A-4147-A177-3AD203B41FA5}">
+                      <a16:colId xmlns:a16="http://schemas.microsoft.com/office/drawing/2014/main" val="1512907825"/>
+                    </a:ext>
+                  </a:extLst>
+                </a:gridCol>
+                <a:gridCol w="2760903">
+                  <a:extLst>
+                    <a:ext uri="{9D8B030D-6E8A-4147-A177-3AD203B41FA5}">
+                      <a16:colId xmlns:a16="http://schemas.microsoft.com/office/drawing/2014/main" val="1647311250"/>
+                    </a:ext>
+                  </a:extLst>
+                </a:gridCol>
+                <a:gridCol w="2760903">
+                  <a:extLst>
+                    <a:ext uri="{9D8B030D-6E8A-4147-A177-3AD203B41FA5}">
+                      <a16:colId xmlns:a16="http://schemas.microsoft.com/office/drawing/2014/main" val="418004005"/>
+                    </a:ext>
+                  </a:extLst>
+                </a:gridCol>
+              </a:tblGrid>
+              <a:tr h="571936">
+                <a:tc>
+                  <a:txBody>
+                    <a:bodyPr/>
+                    <a:lstStyle/>
+                    <a:p>
+                      <a:pPr latinLnBrk="1"/>
+                      <a:r>
+                        <a:rPr lang="en-US" altLang="ko-KR" dirty="0" smtClean="0"/>
+                        <a:t>                    </a:t>
+                      </a:r>
+                      <a:r>
+                        <a:rPr lang="en-US" altLang="ko-KR" baseline="0" dirty="0" smtClean="0"/>
+                        <a:t>  </a:t>
+                      </a:r>
+                      <a:r>
+                        <a:rPr lang="ko-KR" altLang="en-US" baseline="0" dirty="0" smtClean="0"/>
+                        <a:t>다른 </a:t>
+                      </a:r>
+                      <a:r>
+                        <a:rPr lang="en-US" altLang="ko-KR" baseline="0" dirty="0" smtClean="0"/>
+                        <a:t>T</a:t>
+                      </a:r>
+                      <a:endParaRPr lang="en-US" altLang="ko-KR" dirty="0" smtClean="0"/>
+                    </a:p>
+                    <a:p>
+                      <a:pPr latinLnBrk="1"/>
+                      <a:r>
+                        <a:rPr lang="ko-KR" altLang="en-US" dirty="0" smtClean="0"/>
+                        <a:t>현재</a:t>
+                      </a:r>
+                      <a:r>
+                        <a:rPr lang="en-US" altLang="ko-KR" dirty="0" smtClean="0"/>
+                        <a:t>T</a:t>
+                      </a:r>
+                      <a:endParaRPr lang="ko-KR" altLang="en-US" dirty="0"/>
+                    </a:p>
+                  </a:txBody>
+                  <a:tcPr>
+                    <a:lnL w="12700" cmpd="sng">
+                      <a:noFill/>
+                    </a:lnL>
+                    <a:lnR w="12700" cmpd="sng">
+                      <a:noFill/>
+                    </a:lnR>
+                    <a:lnT w="12700" cmpd="sng">
+                      <a:noFill/>
+                    </a:lnT>
+                    <a:lnB w="38100" cmpd="sng">
+                      <a:noFill/>
+                    </a:lnB>
+                    <a:lnTlToBr w="12700" cap="flat" cmpd="sng" algn="ctr">
+                      <a:solidFill>
+                        <a:schemeClr val="tx1"/>
+                      </a:solidFill>
+                      <a:prstDash val="solid"/>
+                      <a:round/>
+                      <a:headEnd type="none" w="med" len="med"/>
+                      <a:tailEnd type="none" w="med" len="med"/>
+                    </a:lnTlToBr>
+                    <a:lnBlToTr w="12700" cmpd="sng">
+                      <a:noFill/>
+                      <a:prstDash val="solid"/>
+                    </a:lnBlToTr>
+                  </a:tcPr>
+                </a:tc>
+                <a:tc>
+                  <a:txBody>
+                    <a:bodyPr/>
+                    <a:lstStyle/>
+                    <a:p>
+                      <a:pPr latinLnBrk="1"/>
+                      <a:r>
+                        <a:rPr lang="en-US" altLang="ko-KR" dirty="0" smtClean="0"/>
+                        <a:t>read</a:t>
+                      </a:r>
+                      <a:endParaRPr lang="ko-KR" altLang="en-US" dirty="0"/>
+                    </a:p>
+                  </a:txBody>
+                  <a:tcPr>
+                    <a:lnL w="12700" cmpd="sng">
+                      <a:noFill/>
+                    </a:lnL>
+                  </a:tcPr>
+                </a:tc>
+                <a:tc>
+                  <a:txBody>
+                    <a:bodyPr/>
+                    <a:lstStyle/>
+                    <a:p>
+                      <a:pPr latinLnBrk="1"/>
+                      <a:r>
+                        <a:rPr lang="en-US" altLang="ko-KR" dirty="0" smtClean="0"/>
+                        <a:t>write</a:t>
+                      </a:r>
+                      <a:endParaRPr lang="ko-KR" altLang="en-US" dirty="0"/>
+                    </a:p>
+                  </a:txBody>
+                  <a:tcPr/>
+                </a:tc>
+                <a:extLst>
+                  <a:ext uri="{0D108BD9-81ED-4DB2-BD59-A6C34878D82A}">
+                    <a16:rowId xmlns:a16="http://schemas.microsoft.com/office/drawing/2014/main" val="2590148105"/>
+                  </a:ext>
+                </a:extLst>
+              </a:tr>
+              <a:tr h="571936">
+                <a:tc>
+                  <a:txBody>
+                    <a:bodyPr/>
+                    <a:lstStyle/>
+                    <a:p>
+                      <a:pPr latinLnBrk="1"/>
+                      <a:r>
+                        <a:rPr lang="en-US" altLang="ko-KR" dirty="0" smtClean="0"/>
+                        <a:t>read</a:t>
+                      </a:r>
+                    </a:p>
+                  </a:txBody>
+                  <a:tcPr>
+                    <a:lnT w="38100" cmpd="sng">
+                      <a:noFill/>
+                    </a:lnT>
+                  </a:tcPr>
+                </a:tc>
+                <a:tc>
+                  <a:txBody>
+                    <a:bodyPr/>
+                    <a:lstStyle/>
+                    <a:p>
+                      <a:pPr latinLnBrk="1"/>
+                      <a:r>
+                        <a:rPr lang="en-US" altLang="ko-KR" dirty="0" smtClean="0"/>
+                        <a:t>O</a:t>
+                      </a:r>
+                      <a:endParaRPr lang="ko-KR" altLang="en-US" dirty="0"/>
+                    </a:p>
+                  </a:txBody>
+                  <a:tcPr/>
+                </a:tc>
+                <a:tc>
+                  <a:txBody>
+                    <a:bodyPr/>
+                    <a:lstStyle/>
+                    <a:p>
+                      <a:pPr latinLnBrk="1"/>
+                      <a:r>
+                        <a:rPr lang="en-US" altLang="ko-KR" dirty="0" smtClean="0"/>
+                        <a:t>X</a:t>
+                      </a:r>
+                      <a:endParaRPr lang="ko-KR" altLang="en-US" dirty="0"/>
+                    </a:p>
+                  </a:txBody>
+                  <a:tcPr/>
+                </a:tc>
+                <a:extLst>
+                  <a:ext uri="{0D108BD9-81ED-4DB2-BD59-A6C34878D82A}">
+                    <a16:rowId xmlns:a16="http://schemas.microsoft.com/office/drawing/2014/main" val="3922248077"/>
+                  </a:ext>
+                </a:extLst>
+              </a:tr>
+              <a:tr h="571936">
+                <a:tc>
+                  <a:txBody>
+                    <a:bodyPr/>
+                    <a:lstStyle/>
+                    <a:p>
+                      <a:pPr latinLnBrk="1"/>
+                      <a:r>
+                        <a:rPr lang="en-US" altLang="ko-KR" dirty="0" smtClean="0"/>
+                        <a:t>write</a:t>
+                      </a:r>
+                      <a:endParaRPr lang="ko-KR" altLang="en-US" dirty="0"/>
+                    </a:p>
+                  </a:txBody>
+                  <a:tcPr/>
+                </a:tc>
+                <a:tc>
+                  <a:txBody>
+                    <a:bodyPr/>
+                    <a:lstStyle/>
+                    <a:p>
+                      <a:pPr latinLnBrk="1"/>
+                      <a:r>
+                        <a:rPr lang="en-US" altLang="ko-KR" dirty="0" smtClean="0"/>
+                        <a:t>O</a:t>
+                      </a:r>
+                      <a:endParaRPr lang="ko-KR" altLang="en-US" dirty="0"/>
+                    </a:p>
+                  </a:txBody>
+                  <a:tcPr/>
+                </a:tc>
+                <a:tc>
+                  <a:txBody>
+                    <a:bodyPr/>
+                    <a:lstStyle/>
+                    <a:p>
+                      <a:pPr latinLnBrk="1"/>
+                      <a:r>
+                        <a:rPr lang="en-US" altLang="ko-KR" dirty="0" smtClean="0"/>
+                        <a:t>X</a:t>
+                      </a:r>
+                      <a:endParaRPr lang="ko-KR" altLang="en-US" dirty="0"/>
+                    </a:p>
+                  </a:txBody>
+                  <a:tcPr/>
+                </a:tc>
+                <a:extLst>
+                  <a:ext uri="{0D108BD9-81ED-4DB2-BD59-A6C34878D82A}">
+                    <a16:rowId xmlns:a16="http://schemas.microsoft.com/office/drawing/2014/main" val="871223962"/>
+                  </a:ext>
+                </a:extLst>
+              </a:tr>
+            </a:tbl>
+          </a:graphicData>
+        </a:graphic>
+      </p:graphicFrame>
     </p:spTree>
     <p:extLst>
       <p:ext uri="{BB962C8B-B14F-4D97-AF65-F5344CB8AC3E}">
@@ -3484,6 +3760,270 @@
           </a:fontRef>
         </p:style>
       </p:cxnSp>
+      <p:graphicFrame>
+        <p:nvGraphicFramePr>
+          <p:cNvPr id="5" name="표 4"/>
+          <p:cNvGraphicFramePr>
+            <a:graphicFrameLocks noGrp="1"/>
+          </p:cNvGraphicFramePr>
+          <p:nvPr>
+            <p:extLst>
+              <p:ext uri="{D42A27DB-BD31-4B8C-83A1-F6EECF244321}">
+                <p14:modId xmlns:p14="http://schemas.microsoft.com/office/powerpoint/2010/main" val="777456839"/>
+              </p:ext>
+            </p:extLst>
+          </p:nvPr>
+        </p:nvGraphicFramePr>
+        <p:xfrm>
+          <a:off x="838200" y="3541222"/>
+          <a:ext cx="8282709" cy="1783952"/>
+        </p:xfrm>
+        <a:graphic>
+          <a:graphicData uri="http://schemas.openxmlformats.org/drawingml/2006/table">
+            <a:tbl>
+              <a:tblPr firstRow="1" bandRow="1">
+                <a:tableStyleId>{5C22544A-7EE6-4342-B048-85BDC9FD1C3A}</a:tableStyleId>
+              </a:tblPr>
+              <a:tblGrid>
+                <a:gridCol w="2760903">
+                  <a:extLst>
+                    <a:ext uri="{9D8B030D-6E8A-4147-A177-3AD203B41FA5}">
+                      <a16:colId xmlns:a16="http://schemas.microsoft.com/office/drawing/2014/main" val="1512907825"/>
+                    </a:ext>
+                  </a:extLst>
+                </a:gridCol>
+                <a:gridCol w="2760903">
+                  <a:extLst>
+                    <a:ext uri="{9D8B030D-6E8A-4147-A177-3AD203B41FA5}">
+                      <a16:colId xmlns:a16="http://schemas.microsoft.com/office/drawing/2014/main" val="1647311250"/>
+                    </a:ext>
+                  </a:extLst>
+                </a:gridCol>
+                <a:gridCol w="2760903">
+                  <a:extLst>
+                    <a:ext uri="{9D8B030D-6E8A-4147-A177-3AD203B41FA5}">
+                      <a16:colId xmlns:a16="http://schemas.microsoft.com/office/drawing/2014/main" val="418004005"/>
+                    </a:ext>
+                  </a:extLst>
+                </a:gridCol>
+              </a:tblGrid>
+              <a:tr h="571936">
+                <a:tc>
+                  <a:txBody>
+                    <a:bodyPr/>
+                    <a:lstStyle/>
+                    <a:p>
+                      <a:pPr latinLnBrk="1"/>
+                      <a:r>
+                        <a:rPr lang="en-US" altLang="ko-KR" dirty="0" smtClean="0"/>
+                        <a:t>                    </a:t>
+                      </a:r>
+                      <a:r>
+                        <a:rPr lang="en-US" altLang="ko-KR" baseline="0" dirty="0" smtClean="0"/>
+                        <a:t>  </a:t>
+                      </a:r>
+                      <a:r>
+                        <a:rPr lang="ko-KR" altLang="en-US" baseline="0" dirty="0" smtClean="0"/>
+                        <a:t>다른 </a:t>
+                      </a:r>
+                      <a:r>
+                        <a:rPr lang="en-US" altLang="ko-KR" baseline="0" dirty="0" smtClean="0"/>
+                        <a:t>T</a:t>
+                      </a:r>
+                      <a:endParaRPr lang="en-US" altLang="ko-KR" dirty="0" smtClean="0"/>
+                    </a:p>
+                    <a:p>
+                      <a:pPr latinLnBrk="1"/>
+                      <a:r>
+                        <a:rPr lang="ko-KR" altLang="en-US" dirty="0" smtClean="0"/>
+                        <a:t>현재</a:t>
+                      </a:r>
+                      <a:r>
+                        <a:rPr lang="en-US" altLang="ko-KR" dirty="0" smtClean="0"/>
+                        <a:t>T</a:t>
+                      </a:r>
+                      <a:endParaRPr lang="ko-KR" altLang="en-US" dirty="0"/>
+                    </a:p>
+                  </a:txBody>
+                  <a:tcPr>
+                    <a:lnL w="12700" cmpd="sng">
+                      <a:noFill/>
+                    </a:lnL>
+                    <a:lnR w="12700" cmpd="sng">
+                      <a:noFill/>
+                    </a:lnR>
+                    <a:lnT w="12700" cmpd="sng">
+                      <a:noFill/>
+                    </a:lnT>
+                    <a:lnB w="38100" cmpd="sng">
+                      <a:noFill/>
+                    </a:lnB>
+                    <a:lnTlToBr w="12700" cap="flat" cmpd="sng" algn="ctr">
+                      <a:solidFill>
+                        <a:schemeClr val="tx1"/>
+                      </a:solidFill>
+                      <a:prstDash val="solid"/>
+                      <a:round/>
+                      <a:headEnd type="none" w="med" len="med"/>
+                      <a:tailEnd type="none" w="med" len="med"/>
+                    </a:lnTlToBr>
+                    <a:lnBlToTr w="12700" cmpd="sng">
+                      <a:noFill/>
+                      <a:prstDash val="solid"/>
+                    </a:lnBlToTr>
+                  </a:tcPr>
+                </a:tc>
+                <a:tc>
+                  <a:txBody>
+                    <a:bodyPr/>
+                    <a:lstStyle/>
+                    <a:p>
+                      <a:pPr latinLnBrk="1"/>
+                      <a:r>
+                        <a:rPr lang="en-US" altLang="ko-KR" dirty="0" smtClean="0"/>
+                        <a:t>read</a:t>
+                      </a:r>
+                      <a:endParaRPr lang="ko-KR" altLang="en-US" dirty="0"/>
+                    </a:p>
+                  </a:txBody>
+                  <a:tcPr>
+                    <a:lnL w="12700" cmpd="sng">
+                      <a:noFill/>
+                    </a:lnL>
+                  </a:tcPr>
+                </a:tc>
+                <a:tc>
+                  <a:txBody>
+                    <a:bodyPr/>
+                    <a:lstStyle/>
+                    <a:p>
+                      <a:pPr latinLnBrk="1"/>
+                      <a:r>
+                        <a:rPr lang="en-US" altLang="ko-KR" dirty="0" smtClean="0"/>
+                        <a:t>write</a:t>
+                      </a:r>
+                      <a:endParaRPr lang="ko-KR" altLang="en-US" dirty="0"/>
+                    </a:p>
+                  </a:txBody>
+                  <a:tcPr/>
+                </a:tc>
+                <a:extLst>
+                  <a:ext uri="{0D108BD9-81ED-4DB2-BD59-A6C34878D82A}">
+                    <a16:rowId xmlns:a16="http://schemas.microsoft.com/office/drawing/2014/main" val="2590148105"/>
+                  </a:ext>
+                </a:extLst>
+              </a:tr>
+              <a:tr h="571936">
+                <a:tc>
+                  <a:txBody>
+                    <a:bodyPr/>
+                    <a:lstStyle/>
+                    <a:p>
+                      <a:pPr latinLnBrk="1"/>
+                      <a:r>
+                        <a:rPr lang="en-US" altLang="ko-KR" dirty="0" smtClean="0"/>
+                        <a:t>read</a:t>
+                      </a:r>
+                    </a:p>
+                  </a:txBody>
+                  <a:tcPr>
+                    <a:lnT w="38100" cmpd="sng">
+                      <a:noFill/>
+                    </a:lnT>
+                  </a:tcPr>
+                </a:tc>
+                <a:tc>
+                  <a:txBody>
+                    <a:bodyPr/>
+                    <a:lstStyle/>
+                    <a:p>
+                      <a:pPr latinLnBrk="1"/>
+                      <a:r>
+                        <a:rPr lang="en-US" altLang="ko-KR" dirty="0" smtClean="0"/>
+                        <a:t>O</a:t>
+                      </a:r>
+                      <a:endParaRPr lang="ko-KR" altLang="en-US" dirty="0"/>
+                    </a:p>
+                  </a:txBody>
+                  <a:tcPr/>
+                </a:tc>
+                <a:tc>
+                  <a:txBody>
+                    <a:bodyPr/>
+                    <a:lstStyle/>
+                    <a:p>
+                      <a:pPr latinLnBrk="1"/>
+                      <a:r>
+                        <a:rPr lang="en-US" altLang="ko-KR" dirty="0" smtClean="0"/>
+                        <a:t>X</a:t>
+                      </a:r>
+                      <a:endParaRPr lang="ko-KR" altLang="en-US" dirty="0"/>
+                    </a:p>
+                  </a:txBody>
+                  <a:tcPr/>
+                </a:tc>
+                <a:extLst>
+                  <a:ext uri="{0D108BD9-81ED-4DB2-BD59-A6C34878D82A}">
+                    <a16:rowId xmlns:a16="http://schemas.microsoft.com/office/drawing/2014/main" val="3922248077"/>
+                  </a:ext>
+                </a:extLst>
+              </a:tr>
+              <a:tr h="571936">
+                <a:tc>
+                  <a:txBody>
+                    <a:bodyPr/>
+                    <a:lstStyle/>
+                    <a:p>
+                      <a:pPr latinLnBrk="1"/>
+                      <a:r>
+                        <a:rPr lang="en-US" altLang="ko-KR" dirty="0" smtClean="0"/>
+                        <a:t>write</a:t>
+                      </a:r>
+                      <a:endParaRPr lang="ko-KR" altLang="en-US" dirty="0"/>
+                    </a:p>
+                  </a:txBody>
+                  <a:tcPr/>
+                </a:tc>
+                <a:tc>
+                  <a:txBody>
+                    <a:bodyPr/>
+                    <a:lstStyle/>
+                    <a:p>
+                      <a:pPr latinLnBrk="1"/>
+                      <a:r>
+                        <a:rPr lang="en-US" altLang="ko-KR" dirty="0" smtClean="0"/>
+                        <a:t>X</a:t>
+                      </a:r>
+                      <a:endParaRPr lang="ko-KR" altLang="en-US" dirty="0"/>
+                    </a:p>
+                  </a:txBody>
+                  <a:tcPr/>
+                </a:tc>
+                <a:tc>
+                  <a:txBody>
+                    <a:bodyPr/>
+                    <a:lstStyle/>
+                    <a:p>
+                      <a:pPr latinLnBrk="1"/>
+                      <a:r>
+                        <a:rPr lang="en-US" altLang="ko-KR" dirty="0" smtClean="0"/>
+                        <a:t>X</a:t>
+                      </a:r>
+                      <a:endParaRPr lang="ko-KR" altLang="en-US" dirty="0"/>
+                    </a:p>
+                  </a:txBody>
+                  <a:tcPr/>
+                </a:tc>
+                <a:extLst>
+                  <a:ext uri="{0D108BD9-81ED-4DB2-BD59-A6C34878D82A}">
+                    <a16:rowId xmlns:a16="http://schemas.microsoft.com/office/drawing/2014/main" val="871223962"/>
+                  </a:ext>
+                </a:extLst>
+              </a:tr>
+            </a:tbl>
+          </a:graphicData>
+        </a:graphic>
+      </p:graphicFrame>
     </p:spTree>
     <p:extLst>
       <p:ext uri="{BB962C8B-B14F-4D97-AF65-F5344CB8AC3E}">
@@ -3581,7 +4121,7 @@
         <p:spPr>
           <a:xfrm>
             <a:off x="838200" y="1690688"/>
-            <a:ext cx="10201102" cy="1879489"/>
+            <a:ext cx="10201102" cy="1892826"/>
           </a:xfrm>
           <a:prstGeom prst="rect">
             <a:avLst/>
@@ -3701,39 +4241,127 @@
               <a:rPr lang="ko-KR" altLang="en-US" sz="2000" b="1" dirty="0"/>
               <a:t>불가능 </a:t>
             </a:r>
-            <a:r>
-              <a:rPr lang="en-US" altLang="ko-KR" sz="2000" b="1" dirty="0"/>
-              <a:t>( P2</a:t>
-            </a:r>
-            <a:r>
-              <a:rPr lang="ko-KR" altLang="en-US" sz="2000" b="1" dirty="0"/>
-              <a:t>예시에서 </a:t>
-            </a:r>
-            <a:r>
-              <a:rPr lang="en-US" altLang="ko-KR" sz="2000" b="1" dirty="0"/>
-              <a:t>T1</a:t>
-            </a:r>
-            <a:r>
-              <a:rPr lang="ko-KR" altLang="en-US" sz="2000" b="1" dirty="0"/>
-              <a:t>트랜잭션 종료이전에 </a:t>
-            </a:r>
-            <a:r>
-              <a:rPr lang="en-US" altLang="ko-KR" sz="2000" b="1" dirty="0"/>
-              <a:t>T2</a:t>
-            </a:r>
-            <a:r>
-              <a:rPr lang="ko-KR" altLang="en-US" sz="2000" b="1" dirty="0"/>
-              <a:t>를 중간에 실행 불가능</a:t>
-            </a:r>
-            <a:r>
-              <a:rPr lang="en-US" altLang="ko-KR" sz="2000" b="1" dirty="0"/>
+            <a:endParaRPr lang="en-US" altLang="ko-KR" sz="2000" b="1" dirty="0" smtClean="0"/>
+          </a:p>
+          <a:p>
+            <a:pPr>
+              <a:lnSpc>
+                <a:spcPct val="150000"/>
+              </a:lnSpc>
+            </a:pPr>
+            <a:r>
+              <a:rPr lang="en-US" altLang="ko-KR" b="1" dirty="0" smtClean="0">
+                <a:solidFill>
+                  <a:srgbClr val="FF0000"/>
+                </a:solidFill>
+              </a:rPr>
+              <a:t>( P1</a:t>
+            </a:r>
+            <a:r>
+              <a:rPr lang="ko-KR" altLang="en-US" b="1" dirty="0" smtClean="0">
+                <a:solidFill>
+                  <a:srgbClr val="FF0000"/>
+                </a:solidFill>
+              </a:rPr>
+              <a:t>예시는 </a:t>
+            </a:r>
+            <a:r>
+              <a:rPr lang="en-US" altLang="ko-KR" b="1" dirty="0" smtClean="0"/>
+              <a:t>:</a:t>
+            </a:r>
+            <a:r>
+              <a:rPr lang="ko-KR" altLang="en-US" b="1" dirty="0" smtClean="0"/>
+              <a:t> </a:t>
+            </a:r>
+            <a:r>
+              <a:rPr lang="en-US" altLang="ko-KR" b="1" dirty="0" smtClean="0"/>
+              <a:t>write </a:t>
+            </a:r>
+            <a:r>
+              <a:rPr lang="ko-KR" altLang="en-US" b="1" dirty="0" smtClean="0"/>
+              <a:t>중 </a:t>
+            </a:r>
+            <a:r>
+              <a:rPr lang="en-US" altLang="ko-KR" b="1" dirty="0" smtClean="0"/>
+              <a:t>read </a:t>
+            </a:r>
+            <a:r>
+              <a:rPr lang="ko-KR" altLang="en-US" b="1" dirty="0" smtClean="0"/>
+              <a:t>불가능 </a:t>
+            </a:r>
+            <a:r>
+              <a:rPr lang="en-US" altLang="ko-KR" b="1" dirty="0" smtClean="0"/>
+              <a:t>&gt; read </a:t>
+            </a:r>
+            <a:r>
+              <a:rPr lang="ko-KR" altLang="en-US" b="1" dirty="0" smtClean="0"/>
+              <a:t>중 </a:t>
+            </a:r>
+            <a:r>
+              <a:rPr lang="en-US" altLang="ko-KR" b="1" dirty="0" smtClean="0"/>
+              <a:t>write </a:t>
+            </a:r>
+            <a:r>
+              <a:rPr lang="ko-KR" altLang="en-US" b="1" dirty="0" smtClean="0"/>
+              <a:t>가능 </a:t>
+            </a:r>
+            <a:r>
+              <a:rPr lang="en-US" altLang="ko-KR" b="1" dirty="0" smtClean="0">
+                <a:solidFill>
+                  <a:srgbClr val="FF0000"/>
+                </a:solidFill>
+              </a:rPr>
+              <a:t>&lt;&gt;</a:t>
+            </a:r>
+            <a:r>
+              <a:rPr lang="en-US" altLang="ko-KR" b="1" dirty="0" smtClean="0">
+                <a:solidFill>
+                  <a:srgbClr val="FF0000"/>
+                </a:solidFill>
+              </a:rPr>
+              <a:t> P2</a:t>
+            </a:r>
+            <a:r>
+              <a:rPr lang="ko-KR" altLang="en-US" b="1" dirty="0" smtClean="0">
+                <a:solidFill>
+                  <a:srgbClr val="FF0000"/>
+                </a:solidFill>
+              </a:rPr>
+              <a:t>예시 </a:t>
+            </a:r>
+            <a:r>
+              <a:rPr lang="en-US" altLang="ko-KR" b="1" dirty="0" smtClean="0"/>
+              <a:t>:</a:t>
+            </a:r>
+            <a:r>
+              <a:rPr lang="ko-KR" altLang="en-US" b="1" dirty="0" smtClean="0"/>
+              <a:t> </a:t>
+            </a:r>
+            <a:r>
+              <a:rPr lang="en-US" altLang="ko-KR" b="1" dirty="0" smtClean="0"/>
+              <a:t>read </a:t>
+            </a:r>
+            <a:r>
+              <a:rPr lang="ko-KR" altLang="en-US" b="1" dirty="0" smtClean="0"/>
+              <a:t>중 </a:t>
+            </a:r>
+            <a:r>
+              <a:rPr lang="en-US" altLang="ko-KR" b="1" dirty="0" smtClean="0"/>
+              <a:t>write </a:t>
+            </a:r>
+            <a:r>
+              <a:rPr lang="ko-KR" altLang="en-US" b="1" dirty="0" smtClean="0"/>
+              <a:t>불가능</a:t>
+            </a:r>
+            <a:r>
+              <a:rPr lang="en-US" altLang="ko-KR" b="1" dirty="0" smtClean="0"/>
               <a:t>)</a:t>
             </a:r>
             <a:r>
-              <a:rPr lang="ko-KR" altLang="en-US" sz="2000" b="1" dirty="0"/>
+              <a:rPr lang="ko-KR" altLang="en-US" b="1" dirty="0" smtClean="0"/>
               <a:t> </a:t>
             </a:r>
-            <a:endParaRPr lang="en-US" altLang="ko-KR" sz="2000" b="1" dirty="0"/>
+            <a:endParaRPr lang="en-US" altLang="ko-KR" b="1" dirty="0"/>
           </a:p>
         </p:txBody>
       </p:sp>
@@ -3778,6 +4406,270 @@
           </a:fontRef>
         </p:style>
       </p:cxnSp>
+      <p:graphicFrame>
+        <p:nvGraphicFramePr>
+          <p:cNvPr id="5" name="표 4"/>
+          <p:cNvGraphicFramePr>
+            <a:graphicFrameLocks noGrp="1"/>
+          </p:cNvGraphicFramePr>
+          <p:nvPr>
+            <p:extLst>
+              <p:ext uri="{D42A27DB-BD31-4B8C-83A1-F6EECF244321}">
+                <p14:modId xmlns:p14="http://schemas.microsoft.com/office/powerpoint/2010/main" val="1977664151"/>
+              </p:ext>
+            </p:extLst>
+          </p:nvPr>
+        </p:nvGraphicFramePr>
+        <p:xfrm>
+          <a:off x="838200" y="3990110"/>
+          <a:ext cx="8282709" cy="1783952"/>
+        </p:xfrm>
+        <a:graphic>
+          <a:graphicData uri="http://schemas.openxmlformats.org/drawingml/2006/table">
+            <a:tbl>
+              <a:tblPr firstRow="1" bandRow="1">
+                <a:tableStyleId>{5C22544A-7EE6-4342-B048-85BDC9FD1C3A}</a:tableStyleId>
+              </a:tblPr>
+              <a:tblGrid>
+                <a:gridCol w="2760903">
+                  <a:extLst>
+                    <a:ext uri="{9D8B030D-6E8A-4147-A177-3AD203B41FA5}">
+                      <a16:colId xmlns:a16="http://schemas.microsoft.com/office/drawing/2014/main" val="1512907825"/>
+                    </a:ext>
+                  </a:extLst>
+                </a:gridCol>
+                <a:gridCol w="2760903">
+                  <a:extLst>
+                    <a:ext uri="{9D8B030D-6E8A-4147-A177-3AD203B41FA5}">
+                      <a16:colId xmlns:a16="http://schemas.microsoft.com/office/drawing/2014/main" val="1647311250"/>
+                    </a:ext>
+                  </a:extLst>
+                </a:gridCol>
+                <a:gridCol w="2760903">
+                  <a:extLst>
+                    <a:ext uri="{9D8B030D-6E8A-4147-A177-3AD203B41FA5}">
+                      <a16:colId xmlns:a16="http://schemas.microsoft.com/office/drawing/2014/main" val="418004005"/>
+                    </a:ext>
+                  </a:extLst>
+                </a:gridCol>
+              </a:tblGrid>
+              <a:tr h="571936">
+                <a:tc>
+                  <a:txBody>
+                    <a:bodyPr/>
+                    <a:lstStyle/>
+                    <a:p>
+                      <a:pPr latinLnBrk="1"/>
+                      <a:r>
+                        <a:rPr lang="en-US" altLang="ko-KR" dirty="0" smtClean="0"/>
+                        <a:t>                    </a:t>
+                      </a:r>
+                      <a:r>
+                        <a:rPr lang="en-US" altLang="ko-KR" baseline="0" dirty="0" smtClean="0"/>
+                        <a:t>  </a:t>
+                      </a:r>
+                      <a:r>
+                        <a:rPr lang="ko-KR" altLang="en-US" baseline="0" dirty="0" smtClean="0"/>
+                        <a:t>다른 </a:t>
+                      </a:r>
+                      <a:r>
+                        <a:rPr lang="en-US" altLang="ko-KR" baseline="0" dirty="0" smtClean="0"/>
+                        <a:t>T</a:t>
+                      </a:r>
+                      <a:endParaRPr lang="en-US" altLang="ko-KR" dirty="0" smtClean="0"/>
+                    </a:p>
+                    <a:p>
+                      <a:pPr latinLnBrk="1"/>
+                      <a:r>
+                        <a:rPr lang="ko-KR" altLang="en-US" dirty="0" smtClean="0"/>
+                        <a:t>현재</a:t>
+                      </a:r>
+                      <a:r>
+                        <a:rPr lang="en-US" altLang="ko-KR" dirty="0" smtClean="0"/>
+                        <a:t>T</a:t>
+                      </a:r>
+                      <a:endParaRPr lang="ko-KR" altLang="en-US" dirty="0"/>
+                    </a:p>
+                  </a:txBody>
+                  <a:tcPr>
+                    <a:lnL w="12700" cmpd="sng">
+                      <a:noFill/>
+                    </a:lnL>
+                    <a:lnR w="12700" cmpd="sng">
+                      <a:noFill/>
+                    </a:lnR>
+                    <a:lnT w="12700" cmpd="sng">
+                      <a:noFill/>
+                    </a:lnT>
+                    <a:lnB w="38100" cmpd="sng">
+                      <a:noFill/>
+                    </a:lnB>
+                    <a:lnTlToBr w="12700" cap="flat" cmpd="sng" algn="ctr">
+                      <a:solidFill>
+                        <a:schemeClr val="tx1"/>
+                      </a:solidFill>
+                      <a:prstDash val="solid"/>
+                      <a:round/>
+                      <a:headEnd type="none" w="med" len="med"/>
+                      <a:tailEnd type="none" w="med" len="med"/>
+                    </a:lnTlToBr>
+                    <a:lnBlToTr w="12700" cmpd="sng">
+                      <a:noFill/>
+                      <a:prstDash val="solid"/>
+                    </a:lnBlToTr>
+                  </a:tcPr>
+                </a:tc>
+                <a:tc>
+                  <a:txBody>
+                    <a:bodyPr/>
+                    <a:lstStyle/>
+                    <a:p>
+                      <a:pPr latinLnBrk="1"/>
+                      <a:r>
+                        <a:rPr lang="en-US" altLang="ko-KR" dirty="0" smtClean="0"/>
+                        <a:t>read</a:t>
+                      </a:r>
+                      <a:endParaRPr lang="ko-KR" altLang="en-US" dirty="0"/>
+                    </a:p>
+                  </a:txBody>
+                  <a:tcPr>
+                    <a:lnL w="12700" cmpd="sng">
+                      <a:noFill/>
+                    </a:lnL>
+                  </a:tcPr>
+                </a:tc>
+                <a:tc>
+                  <a:txBody>
+                    <a:bodyPr/>
+                    <a:lstStyle/>
+                    <a:p>
+                      <a:pPr latinLnBrk="1"/>
+                      <a:r>
+                        <a:rPr lang="en-US" altLang="ko-KR" dirty="0" smtClean="0"/>
+                        <a:t>write</a:t>
+                      </a:r>
+                      <a:endParaRPr lang="ko-KR" altLang="en-US" dirty="0"/>
+                    </a:p>
+                  </a:txBody>
+                  <a:tcPr/>
+                </a:tc>
+                <a:extLst>
+                  <a:ext uri="{0D108BD9-81ED-4DB2-BD59-A6C34878D82A}">
+                    <a16:rowId xmlns:a16="http://schemas.microsoft.com/office/drawing/2014/main" val="2590148105"/>
+                  </a:ext>
+                </a:extLst>
+              </a:tr>
+              <a:tr h="571936">
+                <a:tc>
+                  <a:txBody>
+                    <a:bodyPr/>
+                    <a:lstStyle/>
+                    <a:p>
+                      <a:pPr latinLnBrk="1"/>
+                      <a:r>
+                        <a:rPr lang="en-US" altLang="ko-KR" dirty="0" smtClean="0"/>
+                        <a:t>read</a:t>
+                      </a:r>
+                    </a:p>
+                  </a:txBody>
+                  <a:tcPr>
+                    <a:lnT w="38100" cmpd="sng">
+                      <a:noFill/>
+                    </a:lnT>
+                  </a:tcPr>
+                </a:tc>
+                <a:tc>
+                  <a:txBody>
+                    <a:bodyPr/>
+                    <a:lstStyle/>
+                    <a:p>
+                      <a:pPr latinLnBrk="1"/>
+                      <a:r>
+                        <a:rPr lang="en-US" altLang="ko-KR" dirty="0" smtClean="0"/>
+                        <a:t>X</a:t>
+                      </a:r>
+                      <a:endParaRPr lang="ko-KR" altLang="en-US" dirty="0"/>
+                    </a:p>
+                  </a:txBody>
+                  <a:tcPr/>
+                </a:tc>
+                <a:tc>
+                  <a:txBody>
+                    <a:bodyPr/>
+                    <a:lstStyle/>
+                    <a:p>
+                      <a:pPr latinLnBrk="1"/>
+                      <a:r>
+                        <a:rPr lang="en-US" altLang="ko-KR" dirty="0" smtClean="0"/>
+                        <a:t>X</a:t>
+                      </a:r>
+                      <a:endParaRPr lang="ko-KR" altLang="en-US" dirty="0"/>
+                    </a:p>
+                  </a:txBody>
+                  <a:tcPr/>
+                </a:tc>
+                <a:extLst>
+                  <a:ext uri="{0D108BD9-81ED-4DB2-BD59-A6C34878D82A}">
+                    <a16:rowId xmlns:a16="http://schemas.microsoft.com/office/drawing/2014/main" val="3922248077"/>
+                  </a:ext>
+                </a:extLst>
+              </a:tr>
+              <a:tr h="571936">
+                <a:tc>
+                  <a:txBody>
+                    <a:bodyPr/>
+                    <a:lstStyle/>
+                    <a:p>
+                      <a:pPr latinLnBrk="1"/>
+                      <a:r>
+                        <a:rPr lang="en-US" altLang="ko-KR" dirty="0" smtClean="0"/>
+                        <a:t>write</a:t>
+                      </a:r>
+                      <a:endParaRPr lang="ko-KR" altLang="en-US" dirty="0"/>
+                    </a:p>
+                  </a:txBody>
+                  <a:tcPr/>
+                </a:tc>
+                <a:tc>
+                  <a:txBody>
+                    <a:bodyPr/>
+                    <a:lstStyle/>
+                    <a:p>
+                      <a:pPr latinLnBrk="1"/>
+                      <a:r>
+                        <a:rPr lang="en-US" altLang="ko-KR" dirty="0" smtClean="0"/>
+                        <a:t>X</a:t>
+                      </a:r>
+                      <a:endParaRPr lang="ko-KR" altLang="en-US" dirty="0"/>
+                    </a:p>
+                  </a:txBody>
+                  <a:tcPr/>
+                </a:tc>
+                <a:tc>
+                  <a:txBody>
+                    <a:bodyPr/>
+                    <a:lstStyle/>
+                    <a:p>
+                      <a:pPr latinLnBrk="1"/>
+                      <a:r>
+                        <a:rPr lang="en-US" altLang="ko-KR" dirty="0" smtClean="0"/>
+                        <a:t>X</a:t>
+                      </a:r>
+                      <a:endParaRPr lang="ko-KR" altLang="en-US" dirty="0"/>
+                    </a:p>
+                  </a:txBody>
+                  <a:tcPr/>
+                </a:tc>
+                <a:extLst>
+                  <a:ext uri="{0D108BD9-81ED-4DB2-BD59-A6C34878D82A}">
+                    <a16:rowId xmlns:a16="http://schemas.microsoft.com/office/drawing/2014/main" val="871223962"/>
+                  </a:ext>
+                </a:extLst>
+              </a:tr>
+            </a:tbl>
+          </a:graphicData>
+        </a:graphic>
+      </p:graphicFrame>
     </p:spTree>
     <p:extLst>
       <p:ext uri="{BB962C8B-B14F-4D97-AF65-F5344CB8AC3E}">
@@ -3875,7 +4767,7 @@
         <p:spPr>
           <a:xfrm>
             <a:off x="838200" y="1690688"/>
-            <a:ext cx="10201102" cy="494494"/>
+            <a:ext cx="10201102" cy="553998"/>
           </a:xfrm>
           <a:prstGeom prst="rect">
             <a:avLst/>
@@ -3899,7 +4791,15 @@
             </a:r>
             <a:r>
               <a:rPr lang="en-US" altLang="ko-KR" sz="2000" b="1" dirty="0"/>
-              <a:t>. (Multi lock (?))</a:t>
+              <a:t>. (Multi </a:t>
+            </a:r>
+            <a:r>
+              <a:rPr lang="en-US" altLang="ko-KR" sz="2000" b="1" dirty="0" smtClean="0"/>
+              <a:t>row lock </a:t>
+            </a:r>
+            <a:r>
+              <a:rPr lang="en-US" altLang="ko-KR" sz="2000" b="1" dirty="0"/>
+              <a:t>(?))</a:t>
             </a:r>
           </a:p>
         </p:txBody>
@@ -4130,7 +5030,7 @@
                 <a16:creationId xmlns:a16="http://schemas.microsoft.com/office/drawing/2014/main" id="{F3060C83-F051-4F0E-ABAD-AA0DFC48B218}"/>
               </a:ext>
               <a:ext uri="{C183D7F6-B498-43B3-948B-1728B52AA6E4}">
-                <adec:decorative xmlns:adec="http://schemas.microsoft.com/office/drawing/2017/decorative" val="1"/>
+                <adec:decorative xmlns:adec="http://schemas.microsoft.com/office/drawing/2017/decorative" xmlns="" val="1"/>
               </a:ext>
             </a:extLst>
           </p:cNvPr>
@@ -4193,7 +5093,7 @@
                 <a16:creationId xmlns:a16="http://schemas.microsoft.com/office/drawing/2014/main" id="{83C98ABE-055B-441F-B07E-44F97F083C39}"/>
               </a:ext>
               <a:ext uri="{C183D7F6-B498-43B3-948B-1728B52AA6E4}">
-                <adec:decorative xmlns:adec="http://schemas.microsoft.com/office/drawing/2017/decorative" val="1"/>
+                <adec:decorative xmlns:adec="http://schemas.microsoft.com/office/drawing/2017/decorative" xmlns="" val="1"/>
               </a:ext>
             </a:extLst>
           </p:cNvPr>
@@ -4309,7 +5209,7 @@
                 <a16:creationId xmlns:a16="http://schemas.microsoft.com/office/drawing/2014/main" id="{29FDB030-9B49-4CED-8CCD-4D99382388AC}"/>
               </a:ext>
               <a:ext uri="{C183D7F6-B498-43B3-948B-1728B52AA6E4}">
-                <adec:decorative xmlns:adec="http://schemas.microsoft.com/office/drawing/2017/decorative" val="1"/>
+                <adec:decorative xmlns:adec="http://schemas.microsoft.com/office/drawing/2017/decorative" xmlns="" val="1"/>
               </a:ext>
             </a:extLst>
           </p:cNvPr>
@@ -4374,7 +5274,7 @@
                 <a16:creationId xmlns:a16="http://schemas.microsoft.com/office/drawing/2014/main" id="{3783CA14-24A1-485C-8B30-D6A5D87987AD}"/>
               </a:ext>
               <a:ext uri="{C183D7F6-B498-43B3-948B-1728B52AA6E4}">
-                <adec:decorative xmlns:adec="http://schemas.microsoft.com/office/drawing/2017/decorative" val="1"/>
+                <adec:decorative xmlns:adec="http://schemas.microsoft.com/office/drawing/2017/decorative" xmlns="" val="1"/>
               </a:ext>
             </a:extLst>
           </p:cNvPr>
@@ -4439,7 +5339,7 @@
                 <a16:creationId xmlns:a16="http://schemas.microsoft.com/office/drawing/2014/main" id="{9A97C86A-04D6-40F7-AE84-31AB43E6A846}"/>
               </a:ext>
               <a:ext uri="{C183D7F6-B498-43B3-948B-1728B52AA6E4}">
-                <adec:decorative xmlns:adec="http://schemas.microsoft.com/office/drawing/2017/decorative" val="1"/>
+                <adec:decorative xmlns:adec="http://schemas.microsoft.com/office/drawing/2017/decorative" xmlns="" val="1"/>
               </a:ext>
             </a:extLst>
           </p:cNvPr>
@@ -4549,7 +5449,7 @@
                 <a16:creationId xmlns:a16="http://schemas.microsoft.com/office/drawing/2014/main" id="{FF9F2414-84E8-453E-B1F3-389FDE8192D9}"/>
               </a:ext>
               <a:ext uri="{C183D7F6-B498-43B3-948B-1728B52AA6E4}">
-                <adec:decorative xmlns:adec="http://schemas.microsoft.com/office/drawing/2017/decorative" val="1"/>
+                <adec:decorative xmlns:adec="http://schemas.microsoft.com/office/drawing/2017/decorative" xmlns="" val="1"/>
               </a:ext>
             </a:extLst>
           </p:cNvPr>
@@ -4647,7 +5547,7 @@
                 <a16:creationId xmlns:a16="http://schemas.microsoft.com/office/drawing/2014/main" id="{3ECA69A1-7536-43AC-85EF-C7106179F5ED}"/>
               </a:ext>
               <a:ext uri="{C183D7F6-B498-43B3-948B-1728B52AA6E4}">
-                <adec:decorative xmlns:adec="http://schemas.microsoft.com/office/drawing/2017/decorative" val="1"/>
+                <adec:decorative xmlns:adec="http://schemas.microsoft.com/office/drawing/2017/decorative" xmlns="" val="1"/>
               </a:ext>
             </a:extLst>
           </p:cNvPr>
